--- a/tutorial/cc4sr-orienting.pptx
+++ b/tutorial/cc4sr-orienting.pptx
@@ -254,7 +254,7 @@
           <a:p>
             <a:fld id="{03ACE4EF-D8B7-474F-B4C5-9F7E7C271BFE}" type="datetimeFigureOut">
               <a:rPr lang="en-US" smtClean="0"/>
-              <a:t>3/28/2017</a:t>
+              <a:t>4/1/2017</a:t>
             </a:fld>
             <a:endParaRPr lang="en-US"/>
           </a:p>
@@ -422,7 +422,7 @@
           <a:p>
             <a:fld id="{03ACE4EF-D8B7-474F-B4C5-9F7E7C271BFE}" type="datetimeFigureOut">
               <a:rPr lang="en-US" smtClean="0"/>
-              <a:t>3/28/2017</a:t>
+              <a:t>4/1/2017</a:t>
             </a:fld>
             <a:endParaRPr lang="en-US"/>
           </a:p>
@@ -600,7 +600,7 @@
           <a:p>
             <a:fld id="{03ACE4EF-D8B7-474F-B4C5-9F7E7C271BFE}" type="datetimeFigureOut">
               <a:rPr lang="en-US" smtClean="0"/>
-              <a:t>3/28/2017</a:t>
+              <a:t>4/1/2017</a:t>
             </a:fld>
             <a:endParaRPr lang="en-US"/>
           </a:p>
@@ -768,7 +768,7 @@
           <a:p>
             <a:fld id="{03ACE4EF-D8B7-474F-B4C5-9F7E7C271BFE}" type="datetimeFigureOut">
               <a:rPr lang="en-US" smtClean="0"/>
-              <a:t>3/28/2017</a:t>
+              <a:t>4/1/2017</a:t>
             </a:fld>
             <a:endParaRPr lang="en-US"/>
           </a:p>
@@ -1013,7 +1013,7 @@
           <a:p>
             <a:fld id="{03ACE4EF-D8B7-474F-B4C5-9F7E7C271BFE}" type="datetimeFigureOut">
               <a:rPr lang="en-US" smtClean="0"/>
-              <a:t>3/28/2017</a:t>
+              <a:t>4/1/2017</a:t>
             </a:fld>
             <a:endParaRPr lang="en-US"/>
           </a:p>
@@ -1242,7 +1242,7 @@
           <a:p>
             <a:fld id="{03ACE4EF-D8B7-474F-B4C5-9F7E7C271BFE}" type="datetimeFigureOut">
               <a:rPr lang="en-US" smtClean="0"/>
-              <a:t>3/28/2017</a:t>
+              <a:t>4/1/2017</a:t>
             </a:fld>
             <a:endParaRPr lang="en-US"/>
           </a:p>
@@ -1606,7 +1606,7 @@
           <a:p>
             <a:fld id="{03ACE4EF-D8B7-474F-B4C5-9F7E7C271BFE}" type="datetimeFigureOut">
               <a:rPr lang="en-US" smtClean="0"/>
-              <a:t>3/28/2017</a:t>
+              <a:t>4/1/2017</a:t>
             </a:fld>
             <a:endParaRPr lang="en-US"/>
           </a:p>
@@ -1723,7 +1723,7 @@
           <a:p>
             <a:fld id="{03ACE4EF-D8B7-474F-B4C5-9F7E7C271BFE}" type="datetimeFigureOut">
               <a:rPr lang="en-US" smtClean="0"/>
-              <a:t>3/28/2017</a:t>
+              <a:t>4/1/2017</a:t>
             </a:fld>
             <a:endParaRPr lang="en-US"/>
           </a:p>
@@ -1818,7 +1818,7 @@
           <a:p>
             <a:fld id="{03ACE4EF-D8B7-474F-B4C5-9F7E7C271BFE}" type="datetimeFigureOut">
               <a:rPr lang="en-US" smtClean="0"/>
-              <a:t>3/28/2017</a:t>
+              <a:t>4/1/2017</a:t>
             </a:fld>
             <a:endParaRPr lang="en-US"/>
           </a:p>
@@ -2093,7 +2093,7 @@
           <a:p>
             <a:fld id="{03ACE4EF-D8B7-474F-B4C5-9F7E7C271BFE}" type="datetimeFigureOut">
               <a:rPr lang="en-US" smtClean="0"/>
-              <a:t>3/28/2017</a:t>
+              <a:t>4/1/2017</a:t>
             </a:fld>
             <a:endParaRPr lang="en-US"/>
           </a:p>
@@ -2345,7 +2345,7 @@
           <a:p>
             <a:fld id="{03ACE4EF-D8B7-474F-B4C5-9F7E7C271BFE}" type="datetimeFigureOut">
               <a:rPr lang="en-US" smtClean="0"/>
-              <a:t>3/28/2017</a:t>
+              <a:t>4/1/2017</a:t>
             </a:fld>
             <a:endParaRPr lang="en-US"/>
           </a:p>
@@ -2556,7 +2556,7 @@
           <a:p>
             <a:fld id="{03ACE4EF-D8B7-474F-B4C5-9F7E7C271BFE}" type="datetimeFigureOut">
               <a:rPr lang="en-US" smtClean="0"/>
-              <a:t>3/28/2017</a:t>
+              <a:t>4/1/2017</a:t>
             </a:fld>
             <a:endParaRPr lang="en-US"/>
           </a:p>
@@ -3485,7 +3485,7 @@
           <a:prstGeom prst="straightConnector1">
             <a:avLst/>
           </a:prstGeom>
-          <a:ln>
+          <a:ln w="28575">
             <a:tailEnd type="triangle"/>
           </a:ln>
         </p:spPr>
@@ -3518,7 +3518,7 @@
           <a:prstGeom prst="straightConnector1">
             <a:avLst/>
           </a:prstGeom>
-          <a:ln>
+          <a:ln w="28575">
             <a:tailEnd type="triangle"/>
           </a:ln>
         </p:spPr>
@@ -3551,7 +3551,7 @@
           <a:prstGeom prst="straightConnector1">
             <a:avLst/>
           </a:prstGeom>
-          <a:ln>
+          <a:ln w="28575">
             <a:tailEnd type="triangle"/>
           </a:ln>
         </p:spPr>
@@ -3584,7 +3584,7 @@
           <a:prstGeom prst="straightConnector1">
             <a:avLst/>
           </a:prstGeom>
-          <a:ln>
+          <a:ln w="28575">
             <a:tailEnd type="triangle"/>
           </a:ln>
         </p:spPr>
@@ -3617,7 +3617,7 @@
           <a:prstGeom prst="straightConnector1">
             <a:avLst/>
           </a:prstGeom>
-          <a:ln>
+          <a:ln w="28575">
             <a:tailEnd type="triangle"/>
           </a:ln>
         </p:spPr>
@@ -3650,7 +3650,7 @@
           <a:prstGeom prst="straightConnector1">
             <a:avLst/>
           </a:prstGeom>
-          <a:ln>
+          <a:ln w="28575">
             <a:tailEnd type="triangle"/>
           </a:ln>
         </p:spPr>
@@ -3801,7 +3801,7 @@
           <a:prstGeom prst="straightConnector1">
             <a:avLst/>
           </a:prstGeom>
-          <a:ln>
+          <a:ln w="28575">
             <a:tailEnd type="triangle"/>
           </a:ln>
         </p:spPr>
@@ -3947,7 +3947,7 @@
           <a:prstGeom prst="straightConnector1">
             <a:avLst/>
           </a:prstGeom>
-          <a:ln>
+          <a:ln w="38100">
             <a:tailEnd type="triangle"/>
           </a:ln>
         </p:spPr>
@@ -3980,7 +3980,7 @@
           <a:prstGeom prst="straightConnector1">
             <a:avLst/>
           </a:prstGeom>
-          <a:ln>
+          <a:ln w="38100">
             <a:tailEnd type="triangle"/>
           </a:ln>
         </p:spPr>
@@ -4013,7 +4013,7 @@
           <a:prstGeom prst="straightConnector1">
             <a:avLst/>
           </a:prstGeom>
-          <a:ln>
+          <a:ln w="38100">
             <a:tailEnd type="triangle"/>
           </a:ln>
         </p:spPr>
@@ -4048,7 +4048,7 @@
           <a:prstGeom prst="straightConnector1">
             <a:avLst/>
           </a:prstGeom>
-          <a:ln>
+          <a:ln w="38100">
             <a:tailEnd type="triangle"/>
           </a:ln>
         </p:spPr>
@@ -4508,9 +4508,16 @@
             <p:ph idx="1"/>
           </p:nvPr>
         </p:nvSpPr>
-        <p:spPr/>
-        <p:txBody>
-          <a:bodyPr/>
+        <p:spPr>
+          <a:xfrm>
+            <a:off x="838200" y="1507713"/>
+            <a:ext cx="10515600" cy="4669250"/>
+          </a:xfrm>
+        </p:spPr>
+        <p:txBody>
+          <a:bodyPr>
+            <a:normAutofit fontScale="92500" lnSpcReduction="20000"/>
+          </a:bodyPr>
           <a:lstStyle/>
           <a:p>
             <a:r>
@@ -4549,42 +4556,99 @@
           <a:p>
             <a:r>
               <a:rPr lang="en-US" dirty="0"/>
-              <a:t>Access to these slides and Jupyter Notebooks</a:t>
-            </a:r>
-          </a:p>
-          <a:p>
-            <a:pPr lvl="1"/>
-            <a:r>
-              <a:rPr lang="en-US" dirty="0"/>
-              <a:t>From the book “Cloud Computing for Science and Engineering” by Ian Foster an Dennis Gannon, to be published soon by MIT Press.</a:t>
-            </a:r>
-          </a:p>
-          <a:p>
-            <a:pPr lvl="1"/>
-            <a:r>
-              <a:rPr lang="en-US" dirty="0"/>
-              <a:t>The link to the book is here</a:t>
-            </a:r>
-          </a:p>
-          <a:p>
-            <a:pPr lvl="2"/>
+              <a:t>Access tutorial </a:t>
+            </a:r>
+            <a:r>
+              <a:rPr lang="en-US" dirty="0" err="1"/>
+              <a:t>tarball</a:t>
+            </a:r>
+            <a:r>
+              <a:rPr lang="en-US" dirty="0"/>
+              <a:t> </a:t>
+            </a:r>
             <a:r>
               <a:rPr lang="en-US" dirty="0">
                 <a:hlinkClick r:id="rId3"/>
               </a:rPr>
-              <a:t>https://Cloud4SciEng</a:t>
-            </a:r>
-            <a:r>
-              <a:rPr lang="en-US">
-                <a:hlinkClick r:id="rId3"/>
+              <a:t>https://SciEngCloud.github.io/tutorial.tar.gz</a:t>
+            </a:r>
+            <a:r>
+              <a:rPr lang="en-US" dirty="0"/>
+              <a:t>  </a:t>
+            </a:r>
+          </a:p>
+          <a:p>
+            <a:pPr lvl="1"/>
+            <a:r>
+              <a:rPr lang="en-US" dirty="0"/>
+              <a:t>On mac:</a:t>
+            </a:r>
+          </a:p>
+          <a:p>
+            <a:pPr lvl="2"/>
+            <a:r>
+              <a:rPr lang="en-US" dirty="0" err="1"/>
+              <a:t>gunzip</a:t>
+            </a:r>
+            <a:r>
+              <a:rPr lang="en-US" dirty="0"/>
+              <a:t> tutorial.tar.gz </a:t>
+            </a:r>
+          </a:p>
+          <a:p>
+            <a:pPr lvl="2"/>
+            <a:r>
+              <a:rPr lang="en-US" dirty="0"/>
+              <a:t>tar –</a:t>
+            </a:r>
+            <a:r>
+              <a:rPr lang="en-US" dirty="0" err="1"/>
+              <a:t>xf</a:t>
+            </a:r>
+            <a:r>
+              <a:rPr lang="en-US" dirty="0"/>
+              <a:t> tutorial.tar</a:t>
+            </a:r>
+          </a:p>
+          <a:p>
+            <a:pPr lvl="1"/>
+            <a:r>
+              <a:rPr lang="en-US" dirty="0"/>
+              <a:t>on PC use something like 7-zip or other decompression and extractor.</a:t>
+            </a:r>
+          </a:p>
+          <a:p>
+            <a:r>
+              <a:rPr lang="en-US" dirty="0"/>
+              <a:t>Access to these slides and Jupyter Notebooks are also available</a:t>
+            </a:r>
+          </a:p>
+          <a:p>
+            <a:pPr lvl="1"/>
+            <a:r>
+              <a:rPr lang="en-US" dirty="0"/>
+              <a:t>From the book “Cloud Computing for Science and Engineering” by Ian Foster an Dennis Gannon, to be published soon by MIT Press.</a:t>
+            </a:r>
+          </a:p>
+          <a:p>
+            <a:pPr lvl="1"/>
+            <a:r>
+              <a:rPr lang="en-US" dirty="0"/>
+              <a:t>The link to the book is here</a:t>
+            </a:r>
+          </a:p>
+          <a:p>
+            <a:pPr lvl="2"/>
+            <a:r>
+              <a:rPr lang="en-US" dirty="0">
+                <a:hlinkClick r:id="rId4"/>
               </a:rPr>
-              <a:t>.org</a:t>
-            </a:r>
-            <a:r>
-              <a:rPr lang="en-US"/>
+              <a:t>https://Cloud4SciEng.org</a:t>
+            </a:r>
+            <a:r>
+              <a:rPr lang="en-US" dirty="0"/>
               <a:t> </a:t>
             </a:r>
-            <a:endParaRPr lang="en-US" dirty="0"/>
           </a:p>
         </p:txBody>
       </p:sp>
@@ -4750,7 +4814,7 @@
           <a:p>
             <a:r>
               <a:rPr lang="en-US" dirty="0"/>
-              <a:t>Better solution: install Docker</a:t>
+              <a:t>A Better solution: install Docker</a:t>
             </a:r>
           </a:p>
           <a:p>
@@ -5890,7 +5954,7 @@
           <a:prstGeom prst="straightConnector1">
             <a:avLst/>
           </a:prstGeom>
-          <a:ln>
+          <a:ln w="28575">
             <a:tailEnd type="triangle"/>
           </a:ln>
         </p:spPr>
